--- a/Video/Technique-Distortion graph.pptx
+++ b/Video/Technique-Distortion graph.pptx
@@ -288,7 +288,7 @@
           <a:p>
             <a:fld id="{2A556640-0468-4EF2-8365-6D0B2DA6361B}" type="datetimeFigureOut">
               <a:rPr lang="en-US" smtClean="0"/>
-              <a:t>9/17/2012</a:t>
+              <a:t>9/19/2012</a:t>
             </a:fld>
             <a:endParaRPr lang="en-US"/>
           </a:p>
@@ -458,7 +458,7 @@
           <a:p>
             <a:fld id="{2A556640-0468-4EF2-8365-6D0B2DA6361B}" type="datetimeFigureOut">
               <a:rPr lang="en-US" smtClean="0"/>
-              <a:t>9/17/2012</a:t>
+              <a:t>9/19/2012</a:t>
             </a:fld>
             <a:endParaRPr lang="en-US"/>
           </a:p>
@@ -638,7 +638,7 @@
           <a:p>
             <a:fld id="{2A556640-0468-4EF2-8365-6D0B2DA6361B}" type="datetimeFigureOut">
               <a:rPr lang="en-US" smtClean="0"/>
-              <a:t>9/17/2012</a:t>
+              <a:t>9/19/2012</a:t>
             </a:fld>
             <a:endParaRPr lang="en-US"/>
           </a:p>
@@ -808,7 +808,7 @@
           <a:p>
             <a:fld id="{2A556640-0468-4EF2-8365-6D0B2DA6361B}" type="datetimeFigureOut">
               <a:rPr lang="en-US" smtClean="0"/>
-              <a:t>9/17/2012</a:t>
+              <a:t>9/19/2012</a:t>
             </a:fld>
             <a:endParaRPr lang="en-US"/>
           </a:p>
@@ -1054,7 +1054,7 @@
           <a:p>
             <a:fld id="{2A556640-0468-4EF2-8365-6D0B2DA6361B}" type="datetimeFigureOut">
               <a:rPr lang="en-US" smtClean="0"/>
-              <a:t>9/17/2012</a:t>
+              <a:t>9/19/2012</a:t>
             </a:fld>
             <a:endParaRPr lang="en-US"/>
           </a:p>
@@ -1342,7 +1342,7 @@
           <a:p>
             <a:fld id="{2A556640-0468-4EF2-8365-6D0B2DA6361B}" type="datetimeFigureOut">
               <a:rPr lang="en-US" smtClean="0"/>
-              <a:t>9/17/2012</a:t>
+              <a:t>9/19/2012</a:t>
             </a:fld>
             <a:endParaRPr lang="en-US"/>
           </a:p>
@@ -1764,7 +1764,7 @@
           <a:p>
             <a:fld id="{2A556640-0468-4EF2-8365-6D0B2DA6361B}" type="datetimeFigureOut">
               <a:rPr lang="en-US" smtClean="0"/>
-              <a:t>9/17/2012</a:t>
+              <a:t>9/19/2012</a:t>
             </a:fld>
             <a:endParaRPr lang="en-US"/>
           </a:p>
@@ -1882,7 +1882,7 @@
           <a:p>
             <a:fld id="{2A556640-0468-4EF2-8365-6D0B2DA6361B}" type="datetimeFigureOut">
               <a:rPr lang="en-US" smtClean="0"/>
-              <a:t>9/17/2012</a:t>
+              <a:t>9/19/2012</a:t>
             </a:fld>
             <a:endParaRPr lang="en-US"/>
           </a:p>
@@ -1977,7 +1977,7 @@
           <a:p>
             <a:fld id="{2A556640-0468-4EF2-8365-6D0B2DA6361B}" type="datetimeFigureOut">
               <a:rPr lang="en-US" smtClean="0"/>
-              <a:t>9/17/2012</a:t>
+              <a:t>9/19/2012</a:t>
             </a:fld>
             <a:endParaRPr lang="en-US"/>
           </a:p>
@@ -2254,7 +2254,7 @@
           <a:p>
             <a:fld id="{2A556640-0468-4EF2-8365-6D0B2DA6361B}" type="datetimeFigureOut">
               <a:rPr lang="en-US" smtClean="0"/>
-              <a:t>9/17/2012</a:t>
+              <a:t>9/19/2012</a:t>
             </a:fld>
             <a:endParaRPr lang="en-US"/>
           </a:p>
@@ -2507,7 +2507,7 @@
           <a:p>
             <a:fld id="{2A556640-0468-4EF2-8365-6D0B2DA6361B}" type="datetimeFigureOut">
               <a:rPr lang="en-US" smtClean="0"/>
-              <a:t>9/17/2012</a:t>
+              <a:t>9/19/2012</a:t>
             </a:fld>
             <a:endParaRPr lang="en-US"/>
           </a:p>
@@ -2720,7 +2720,7 @@
           <a:p>
             <a:fld id="{2A556640-0468-4EF2-8365-6D0B2DA6361B}" type="datetimeFigureOut">
               <a:rPr lang="en-US" smtClean="0"/>
-              <a:t>9/17/2012</a:t>
+              <a:t>9/19/2012</a:t>
             </a:fld>
             <a:endParaRPr lang="en-US"/>
           </a:p>
@@ -3166,7 +3166,7 @@
       </p:sp>
       <p:pic>
         <p:nvPicPr>
-          <p:cNvPr id="1027" name="Picture 3"/>
+          <p:cNvPr id="1026" name="Picture 2"/>
           <p:cNvPicPr>
             <a:picLocks noChangeAspect="1" noChangeArrowheads="1"/>
           </p:cNvPicPr>
@@ -3187,8 +3187,8 @@
         </p:blipFill>
         <p:spPr bwMode="auto">
           <a:xfrm>
-            <a:off x="-762000" y="228600"/>
-            <a:ext cx="10848797" cy="6019800"/>
+            <a:off x="109953" y="914399"/>
+            <a:ext cx="8924093" cy="4951817"/>
           </a:xfrm>
           <a:prstGeom prst="rect">
             <a:avLst/>
